--- a/Database/4. Advanced Concepts.pptx
+++ b/Database/4. Advanced Concepts.pptx
@@ -132,6 +132,11 @@
       </a:defRPr>
     </a:lvl9pPr>
   </p:defaultTextStyle>
+  <p:extLst>
+    <p:ext uri="{EFAFB233-063F-42B5-8137-9DF3F51BA10A}">
+      <p15:sldGuideLst xmlns:p15="http://schemas.microsoft.com/office/powerpoint/2012/main"/>
+    </p:ext>
+  </p:extLst>
 </p:presentation>
 </file>
 
@@ -221,7 +226,7 @@
           <a:p>
             <a:fld id="{703BD4DF-8355-4392-8903-B321DB23016C}" type="datetimeFigureOut">
               <a:rPr lang="en-IN" smtClean="0"/>
-              <a:t>13-07-2017</a:t>
+              <a:t>23-07-2017</a:t>
             </a:fld>
             <a:endParaRPr lang="en-IN"/>
           </a:p>
@@ -728,7 +733,7 @@
           <a:p>
             <a:fld id="{D909E76A-4E87-4A8E-B149-AC969E63D475}" type="datetimeFigureOut">
               <a:rPr lang="en-IN" smtClean="0"/>
-              <a:t>13-07-2017</a:t>
+              <a:t>23-07-2017</a:t>
             </a:fld>
             <a:endParaRPr lang="en-IN"/>
           </a:p>
@@ -928,7 +933,7 @@
           <a:p>
             <a:fld id="{D909E76A-4E87-4A8E-B149-AC969E63D475}" type="datetimeFigureOut">
               <a:rPr lang="en-IN" smtClean="0"/>
-              <a:t>13-07-2017</a:t>
+              <a:t>23-07-2017</a:t>
             </a:fld>
             <a:endParaRPr lang="en-IN"/>
           </a:p>
@@ -1138,7 +1143,7 @@
           <a:p>
             <a:fld id="{D909E76A-4E87-4A8E-B149-AC969E63D475}" type="datetimeFigureOut">
               <a:rPr lang="en-IN" smtClean="0"/>
-              <a:t>13-07-2017</a:t>
+              <a:t>23-07-2017</a:t>
             </a:fld>
             <a:endParaRPr lang="en-IN"/>
           </a:p>
@@ -1338,7 +1343,7 @@
           <a:p>
             <a:fld id="{D909E76A-4E87-4A8E-B149-AC969E63D475}" type="datetimeFigureOut">
               <a:rPr lang="en-IN" smtClean="0"/>
-              <a:t>13-07-2017</a:t>
+              <a:t>23-07-2017</a:t>
             </a:fld>
             <a:endParaRPr lang="en-IN"/>
           </a:p>
@@ -1614,7 +1619,7 @@
           <a:p>
             <a:fld id="{D909E76A-4E87-4A8E-B149-AC969E63D475}" type="datetimeFigureOut">
               <a:rPr lang="en-IN" smtClean="0"/>
-              <a:t>13-07-2017</a:t>
+              <a:t>23-07-2017</a:t>
             </a:fld>
             <a:endParaRPr lang="en-IN"/>
           </a:p>
@@ -1882,7 +1887,7 @@
           <a:p>
             <a:fld id="{D909E76A-4E87-4A8E-B149-AC969E63D475}" type="datetimeFigureOut">
               <a:rPr lang="en-IN" smtClean="0"/>
-              <a:t>13-07-2017</a:t>
+              <a:t>23-07-2017</a:t>
             </a:fld>
             <a:endParaRPr lang="en-IN"/>
           </a:p>
@@ -2297,7 +2302,7 @@
           <a:p>
             <a:fld id="{D909E76A-4E87-4A8E-B149-AC969E63D475}" type="datetimeFigureOut">
               <a:rPr lang="en-IN" smtClean="0"/>
-              <a:t>13-07-2017</a:t>
+              <a:t>23-07-2017</a:t>
             </a:fld>
             <a:endParaRPr lang="en-IN"/>
           </a:p>
@@ -2439,7 +2444,7 @@
           <a:p>
             <a:fld id="{D909E76A-4E87-4A8E-B149-AC969E63D475}" type="datetimeFigureOut">
               <a:rPr lang="en-IN" smtClean="0"/>
-              <a:t>13-07-2017</a:t>
+              <a:t>23-07-2017</a:t>
             </a:fld>
             <a:endParaRPr lang="en-IN"/>
           </a:p>
@@ -2552,7 +2557,7 @@
           <a:p>
             <a:fld id="{D909E76A-4E87-4A8E-B149-AC969E63D475}" type="datetimeFigureOut">
               <a:rPr lang="en-IN" smtClean="0"/>
-              <a:t>13-07-2017</a:t>
+              <a:t>23-07-2017</a:t>
             </a:fld>
             <a:endParaRPr lang="en-IN"/>
           </a:p>
@@ -2865,7 +2870,7 @@
           <a:p>
             <a:fld id="{D909E76A-4E87-4A8E-B149-AC969E63D475}" type="datetimeFigureOut">
               <a:rPr lang="en-IN" smtClean="0"/>
-              <a:t>13-07-2017</a:t>
+              <a:t>23-07-2017</a:t>
             </a:fld>
             <a:endParaRPr lang="en-IN"/>
           </a:p>
@@ -3154,7 +3159,7 @@
           <a:p>
             <a:fld id="{D909E76A-4E87-4A8E-B149-AC969E63D475}" type="datetimeFigureOut">
               <a:rPr lang="en-IN" smtClean="0"/>
-              <a:t>13-07-2017</a:t>
+              <a:t>23-07-2017</a:t>
             </a:fld>
             <a:endParaRPr lang="en-IN"/>
           </a:p>
@@ -3397,7 +3402,7 @@
           <a:p>
             <a:fld id="{D909E76A-4E87-4A8E-B149-AC969E63D475}" type="datetimeFigureOut">
               <a:rPr lang="en-IN" smtClean="0"/>
-              <a:t>13-07-2017</a:t>
+              <a:t>23-07-2017</a:t>
             </a:fld>
             <a:endParaRPr lang="en-IN"/>
           </a:p>
@@ -6960,8 +6965,8 @@
         </p:nvSpPr>
         <p:spPr>
           <a:xfrm>
-            <a:off x="2133600" y="1524000"/>
-            <a:ext cx="7235952" cy="2133600"/>
+            <a:off x="2133599" y="1042739"/>
+            <a:ext cx="7571874" cy="2614863"/>
           </a:xfrm>
         </p:spPr>
         <p:style>
@@ -7137,8 +7142,8 @@
         </p:nvSpPr>
         <p:spPr>
           <a:xfrm>
-            <a:off x="2133600" y="3657602"/>
-            <a:ext cx="7239000" cy="3170099"/>
+            <a:off x="2133599" y="3657602"/>
+            <a:ext cx="8053137" cy="3170099"/>
           </a:xfrm>
           <a:prstGeom prst="rect">
             <a:avLst/>
